--- a/ppt/발표 ppt.pptx
+++ b/ppt/발표 ppt.pptx
@@ -241,7 +241,7 @@
           <a:p>
             <a:fld id="{684ABEAC-FD1E-446D-854E-09142DFB339C}" type="datetimeFigureOut">
               <a:rPr lang="ko-KR" altLang="en-US" smtClean="0"/>
-              <a:t>2025-01-12</a:t>
+              <a:t>2025-01-17</a:t>
             </a:fld>
             <a:endParaRPr lang="ko-KR" altLang="en-US"/>
           </a:p>
@@ -406,7 +406,7 @@
           <a:p>
             <a:fld id="{E299D967-67B2-4132-B52D-A253871A1F24}" type="datetimeFigureOut">
               <a:rPr lang="ko-KR" altLang="en-US" smtClean="0"/>
-              <a:t>2025-01-12</a:t>
+              <a:t>2025-01-17</a:t>
             </a:fld>
             <a:endParaRPr lang="ko-KR" altLang="en-US"/>
           </a:p>
@@ -1248,7 +1248,7 @@
           <a:p>
             <a:fld id="{20303F18-CB98-4E85-A37B-EF5A4E6C8DE7}" type="datetime1">
               <a:rPr lang="ko-KR" altLang="en-US" smtClean="0"/>
-              <a:t>2025-01-12</a:t>
+              <a:t>2025-01-17</a:t>
             </a:fld>
             <a:endParaRPr lang="ko-KR" altLang="en-US"/>
           </a:p>
@@ -1421,7 +1421,7 @@
           <a:p>
             <a:fld id="{CCA16C65-58A5-46D5-A762-12670B92641B}" type="datetime1">
               <a:rPr lang="ko-KR" altLang="en-US" smtClean="0"/>
-              <a:t>2025-01-12</a:t>
+              <a:t>2025-01-17</a:t>
             </a:fld>
             <a:endParaRPr lang="ko-KR" altLang="en-US"/>
           </a:p>
@@ -1599,7 +1599,7 @@
           <a:p>
             <a:fld id="{2D09A68A-AC6E-41FE-B28C-2BB812CC2E01}" type="datetime1">
               <a:rPr lang="ko-KR" altLang="en-US" smtClean="0"/>
-              <a:t>2025-01-12</a:t>
+              <a:t>2025-01-17</a:t>
             </a:fld>
             <a:endParaRPr lang="ko-KR" altLang="en-US"/>
           </a:p>
@@ -1767,7 +1767,7 @@
           <a:p>
             <a:fld id="{690B8B09-A0F3-4880-B090-7FDDEE5B5065}" type="datetime1">
               <a:rPr lang="ko-KR" altLang="en-US" smtClean="0"/>
-              <a:t>2025-01-12</a:t>
+              <a:t>2025-01-17</a:t>
             </a:fld>
             <a:endParaRPr lang="ko-KR" altLang="en-US"/>
           </a:p>
@@ -2012,7 +2012,7 @@
           <a:p>
             <a:fld id="{82F7D3F4-816B-4FA6-91FC-91836ECD0E53}" type="datetime1">
               <a:rPr lang="ko-KR" altLang="en-US" smtClean="0"/>
-              <a:t>2025-01-12</a:t>
+              <a:t>2025-01-17</a:t>
             </a:fld>
             <a:endParaRPr lang="ko-KR" altLang="en-US"/>
           </a:p>
@@ -2297,7 +2297,7 @@
           <a:p>
             <a:fld id="{2FB9FCFF-984A-4549-AB53-391F9EC1244A}" type="datetime1">
               <a:rPr lang="ko-KR" altLang="en-US" smtClean="0"/>
-              <a:t>2025-01-12</a:t>
+              <a:t>2025-01-17</a:t>
             </a:fld>
             <a:endParaRPr lang="ko-KR" altLang="en-US"/>
           </a:p>
@@ -2716,7 +2716,7 @@
           <a:p>
             <a:fld id="{94618DE4-C4FE-4171-90C7-38CF01638033}" type="datetime1">
               <a:rPr lang="ko-KR" altLang="en-US" smtClean="0"/>
-              <a:t>2025-01-12</a:t>
+              <a:t>2025-01-17</a:t>
             </a:fld>
             <a:endParaRPr lang="ko-KR" altLang="en-US"/>
           </a:p>
@@ -2833,7 +2833,7 @@
           <a:p>
             <a:fld id="{33587621-9D18-4C20-9B84-3E938621A025}" type="datetime1">
               <a:rPr lang="ko-KR" altLang="en-US" smtClean="0"/>
-              <a:t>2025-01-12</a:t>
+              <a:t>2025-01-17</a:t>
             </a:fld>
             <a:endParaRPr lang="ko-KR" altLang="en-US"/>
           </a:p>
@@ -3278,7 +3278,7 @@
           <a:p>
             <a:fld id="{B517649B-2577-404C-858E-51E9DEBB2548}" type="datetime1">
               <a:rPr lang="ko-KR" altLang="en-US" smtClean="0"/>
-              <a:t>2025-01-12</a:t>
+              <a:t>2025-01-17</a:t>
             </a:fld>
             <a:endParaRPr lang="ko-KR" altLang="en-US"/>
           </a:p>
@@ -3530,7 +3530,7 @@
           <a:p>
             <a:fld id="{8D84C674-EF46-4F27-9E3E-4F6A170B0DC6}" type="datetime1">
               <a:rPr lang="ko-KR" altLang="en-US" smtClean="0"/>
-              <a:t>2025-01-12</a:t>
+              <a:t>2025-01-17</a:t>
             </a:fld>
             <a:endParaRPr lang="ko-KR" altLang="en-US"/>
           </a:p>
@@ -3741,7 +3741,7 @@
           <a:p>
             <a:fld id="{B40F11ED-9D7B-4CCE-A57D-CC1D7760FB25}" type="datetime1">
               <a:rPr lang="ko-KR" altLang="en-US" smtClean="0"/>
-              <a:t>2025-01-12</a:t>
+              <a:t>2025-01-17</a:t>
             </a:fld>
             <a:endParaRPr lang="ko-KR" altLang="en-US"/>
           </a:p>
@@ -4593,11 +4593,17 @@
             </a:r>
             <a:r>
               <a:rPr lang="ko-KR" altLang="en-US" sz="1400" b="1" dirty="0">
+                <a:solidFill>
+                  <a:srgbClr val="756B5F"/>
+                </a:solidFill>
                 <a:latin typeface="+mn-ea"/>
               </a:rPr>
               <a:t>자료 정제 및 병합</a:t>
             </a:r>
             <a:endParaRPr lang="en-US" altLang="ko-KR" sz="1400" b="1" dirty="0">
+              <a:solidFill>
+                <a:srgbClr val="756B5F"/>
+              </a:solidFill>
               <a:latin typeface="+mn-ea"/>
             </a:endParaRPr>
           </a:p>
@@ -5075,7 +5081,7 @@
         </p:nvSpPr>
         <p:spPr>
           <a:xfrm>
-            <a:off x="1510716" y="2680253"/>
+            <a:off x="1255039" y="2622540"/>
             <a:ext cx="7597788" cy="2410650"/>
           </a:xfrm>
           <a:prstGeom prst="rect">
@@ -6426,7 +6432,7 @@
         </p:nvSpPr>
         <p:spPr>
           <a:xfrm>
-            <a:off x="185517" y="510398"/>
+            <a:off x="147223" y="421929"/>
             <a:ext cx="8428759" cy="307777"/>
           </a:xfrm>
           <a:prstGeom prst="rect">
@@ -6447,7 +6453,7 @@
                 </a:solidFill>
                 <a:latin typeface="+mn-ea"/>
               </a:rPr>
-              <a:t>1-1. </a:t>
+              <a:t>1-1 </a:t>
             </a:r>
             <a:r>
               <a:rPr lang="ko-KR" altLang="en-US" sz="1400" dirty="0">
@@ -6546,7 +6552,7 @@
                 </a:solidFill>
                 <a:latin typeface="ngb"/>
               </a:rPr>
-              <a:t>, AI</a:t>
+              <a:t>, </a:t>
             </a:r>
             <a:r>
               <a:rPr lang="ko-KR" altLang="en-US" sz="1200" dirty="0">
@@ -6555,7 +6561,7 @@
                 </a:solidFill>
                 <a:latin typeface="ngb"/>
               </a:rPr>
-              <a:t>를 활용하여 맞춤형 식단을 추천하는 프로그램을 개발</a:t>
+              <a:t>몸무게 변화 예측을 활용하여 맞춤형 식단을 추천하는 프로그램을 개발</a:t>
             </a:r>
             <a:endParaRPr lang="ko-KR" altLang="en-US" sz="1200" dirty="0">
               <a:solidFill>
@@ -6650,7 +6656,7 @@
         </p:nvSpPr>
         <p:spPr>
           <a:xfrm>
-            <a:off x="323530" y="483518"/>
+            <a:off x="179512" y="421929"/>
             <a:ext cx="8428759" cy="738664"/>
           </a:xfrm>
           <a:prstGeom prst="rect">
@@ -6671,7 +6677,7 @@
                 </a:solidFill>
                 <a:latin typeface="+mn-ea"/>
               </a:rPr>
-              <a:t>1.2 </a:t>
+              <a:t>1-2 </a:t>
             </a:r>
             <a:r>
               <a:rPr lang="ko-KR" altLang="en-US" sz="1400" dirty="0">
@@ -7104,7 +7110,7 @@
         </p:nvSpPr>
         <p:spPr>
           <a:xfrm>
-            <a:off x="323530" y="483518"/>
+            <a:off x="175823" y="426124"/>
             <a:ext cx="8428759" cy="307777"/>
           </a:xfrm>
           <a:prstGeom prst="rect">
@@ -7119,16 +7125,16 @@
           <a:lstStyle/>
           <a:p>
             <a:r>
-              <a:rPr lang="en-US" altLang="ko-KR" sz="1400">
+              <a:rPr lang="en-US" altLang="ko-KR" sz="1400" dirty="0">
                 <a:solidFill>
                   <a:srgbClr val="464646"/>
                 </a:solidFill>
                 <a:latin typeface="+mn-ea"/>
               </a:rPr>
-              <a:t>1.3 </a:t>
-            </a:r>
-            <a:r>
-              <a:rPr lang="ko-KR" altLang="en-US" sz="1400">
+              <a:t>1-3 </a:t>
+            </a:r>
+            <a:r>
+              <a:rPr lang="ko-KR" altLang="en-US" sz="1400" dirty="0">
                 <a:solidFill>
                   <a:srgbClr val="464646"/>
                 </a:solidFill>
@@ -7136,12 +7142,6 @@
               </a:rPr>
               <a:t>목적 및 필요성</a:t>
             </a:r>
-            <a:endParaRPr lang="ko-KR" altLang="en-US" sz="1400" dirty="0">
-              <a:solidFill>
-                <a:srgbClr val="464646"/>
-              </a:solidFill>
-              <a:latin typeface="+mn-ea"/>
-            </a:endParaRPr>
           </a:p>
         </p:txBody>
       </p:sp>
@@ -7253,7 +7253,7 @@
         </p:nvSpPr>
         <p:spPr>
           <a:xfrm>
-            <a:off x="251520" y="449836"/>
+            <a:off x="179512" y="421929"/>
             <a:ext cx="8450013" cy="307777"/>
           </a:xfrm>
           <a:prstGeom prst="rect">
@@ -7268,20 +7268,12 @@
           <a:lstStyle/>
           <a:p>
             <a:r>
-              <a:rPr lang="en-US" altLang="ko-KR" sz="1400">
+              <a:rPr lang="en-US" altLang="ko-KR" sz="1400" dirty="0">
                 <a:solidFill>
                   <a:srgbClr val="756B5F"/>
                 </a:solidFill>
               </a:rPr>
-              <a:t>1. 4. </a:t>
-            </a:r>
-            <a:r>
-              <a:rPr lang="en-US" altLang="ko-KR" sz="1400" dirty="0">
-                <a:solidFill>
-                  <a:srgbClr val="756B5F"/>
-                </a:solidFill>
-              </a:rPr>
-              <a:t>Gantt Chart</a:t>
+              <a:t>1-4 Gantt Chart</a:t>
             </a:r>
             <a:r>
               <a:rPr lang="ko-KR" altLang="en-US" sz="1400" dirty="0">
@@ -8930,60 +8922,6 @@
       </p:sp>
       <p:sp>
         <p:nvSpPr>
-          <p:cNvPr id="30" name="TextBox 29"/>
-          <p:cNvSpPr txBox="1"/>
-          <p:nvPr/>
-        </p:nvSpPr>
-        <p:spPr>
-          <a:xfrm>
-            <a:off x="251507" y="418431"/>
-            <a:ext cx="2232248" cy="307777"/>
-          </a:xfrm>
-          <a:prstGeom prst="rect">
-            <a:avLst/>
-          </a:prstGeom>
-          <a:noFill/>
-        </p:spPr>
-        <p:txBody>
-          <a:bodyPr wrap="square" rtlCol="0">
-            <a:spAutoFit/>
-          </a:bodyPr>
-          <a:lstStyle/>
-          <a:p>
-            <a:r>
-              <a:rPr lang="en-US" altLang="ko-KR" sz="1400" b="1" dirty="0">
-                <a:solidFill>
-                  <a:srgbClr val="756B5F"/>
-                </a:solidFill>
-              </a:rPr>
-              <a:t>5.  </a:t>
-            </a:r>
-            <a:r>
-              <a:rPr lang="ko-KR" altLang="en-US" sz="1400" b="1" dirty="0">
-                <a:solidFill>
-                  <a:srgbClr val="756B5F"/>
-                </a:solidFill>
-              </a:rPr>
-              <a:t>개발환경</a:t>
-            </a:r>
-            <a:r>
-              <a:rPr lang="en-US" altLang="ko-KR" sz="1400" b="1" dirty="0">
-                <a:solidFill>
-                  <a:srgbClr val="756B5F"/>
-                </a:solidFill>
-              </a:rPr>
-              <a:t>(Resource)</a:t>
-            </a:r>
-            <a:endParaRPr lang="ko-KR" altLang="en-US" sz="1400" b="1" dirty="0">
-              <a:solidFill>
-                <a:srgbClr val="756B5F"/>
-              </a:solidFill>
-            </a:endParaRPr>
-          </a:p>
-        </p:txBody>
-      </p:sp>
-      <p:sp>
-        <p:nvSpPr>
           <p:cNvPr id="17" name="TextBox 16"/>
           <p:cNvSpPr txBox="1"/>
           <p:nvPr/>
@@ -9064,6 +9002,66 @@
           </a:p>
           <a:p>
             <a:endParaRPr lang="ko-KR" altLang="en-US" dirty="0"/>
+          </a:p>
+        </p:txBody>
+      </p:sp>
+      <p:sp>
+        <p:nvSpPr>
+          <p:cNvPr id="18" name="TextBox 17">
+            <a:extLst>
+              <a:ext uri="{FF2B5EF4-FFF2-40B4-BE49-F238E27FC236}">
+                <a16:creationId xmlns:a16="http://schemas.microsoft.com/office/drawing/2014/main" id="{4B3C9114-E934-4390-889C-4977A3695875}"/>
+              </a:ext>
+            </a:extLst>
+          </p:cNvPr>
+          <p:cNvSpPr txBox="1"/>
+          <p:nvPr/>
+        </p:nvSpPr>
+        <p:spPr>
+          <a:xfrm>
+            <a:off x="179512" y="427940"/>
+            <a:ext cx="8450013" cy="307777"/>
+          </a:xfrm>
+          <a:prstGeom prst="rect">
+            <a:avLst/>
+          </a:prstGeom>
+          <a:noFill/>
+        </p:spPr>
+        <p:txBody>
+          <a:bodyPr wrap="square" rtlCol="0">
+            <a:spAutoFit/>
+          </a:bodyPr>
+          <a:lstStyle/>
+          <a:p>
+            <a:r>
+              <a:rPr lang="en-US" altLang="ko-KR" sz="1400" dirty="0">
+                <a:solidFill>
+                  <a:srgbClr val="756B5F"/>
+                </a:solidFill>
+              </a:rPr>
+              <a:t>1-5 </a:t>
+            </a:r>
+            <a:r>
+              <a:rPr lang="ko-KR" altLang="en-US" sz="1400" dirty="0">
+                <a:solidFill>
+                  <a:srgbClr val="756B5F"/>
+                </a:solidFill>
+              </a:rPr>
+              <a:t>개발환경</a:t>
+            </a:r>
+            <a:r>
+              <a:rPr lang="en-US" altLang="ko-KR" sz="1400" dirty="0">
+                <a:solidFill>
+                  <a:srgbClr val="756B5F"/>
+                </a:solidFill>
+              </a:rPr>
+              <a:t>(Resource)</a:t>
+            </a:r>
+            <a:endParaRPr lang="ko-KR" altLang="en-US" sz="1400" dirty="0">
+              <a:solidFill>
+                <a:srgbClr val="756B5F"/>
+              </a:solidFill>
+            </a:endParaRPr>
           </a:p>
         </p:txBody>
       </p:sp>
@@ -9147,7 +9145,7 @@
         </p:nvSpPr>
         <p:spPr>
           <a:xfrm>
-            <a:off x="-252537" y="416548"/>
+            <a:off x="-252537" y="413490"/>
             <a:ext cx="5040561" cy="422360"/>
           </a:xfrm>
           <a:prstGeom prst="rect">
@@ -9171,11 +9169,17 @@
             </a:pPr>
             <a:r>
               <a:rPr lang="ko-KR" altLang="en-US" sz="1400" b="1" dirty="0">
+                <a:solidFill>
+                  <a:srgbClr val="756B5F"/>
+                </a:solidFill>
                 <a:latin typeface="+mn-ea"/>
               </a:rPr>
               <a:t>개념정의</a:t>
             </a:r>
             <a:endParaRPr lang="en-US" altLang="ko-KR" sz="1400" b="1" dirty="0">
+              <a:solidFill>
+                <a:srgbClr val="756B5F"/>
+              </a:solidFill>
               <a:latin typeface="+mn-ea"/>
             </a:endParaRPr>
           </a:p>
@@ -9256,7 +9260,7 @@
         </p:nvSpPr>
         <p:spPr>
           <a:xfrm>
-            <a:off x="169568" y="1062879"/>
+            <a:off x="169568" y="883770"/>
             <a:ext cx="8784976" cy="662361"/>
           </a:xfrm>
           <a:prstGeom prst="rect">
@@ -9357,8 +9361,8 @@
         </p:blipFill>
         <p:spPr>
           <a:xfrm>
-            <a:off x="179512" y="1725240"/>
-            <a:ext cx="8424936" cy="3156981"/>
+            <a:off x="179512" y="1594052"/>
+            <a:ext cx="8775032" cy="3288169"/>
           </a:xfrm>
           <a:prstGeom prst="rect">
             <a:avLst/>
@@ -9445,7 +9449,7 @@
         </p:nvSpPr>
         <p:spPr>
           <a:xfrm>
-            <a:off x="-252537" y="416548"/>
+            <a:off x="-252537" y="413801"/>
             <a:ext cx="5040561" cy="810158"/>
           </a:xfrm>
           <a:prstGeom prst="rect">
@@ -9473,11 +9477,17 @@
             </a:r>
             <a:r>
               <a:rPr lang="ko-KR" altLang="en-US" sz="1400" b="1" dirty="0">
+                <a:solidFill>
+                  <a:srgbClr val="756B5F"/>
+                </a:solidFill>
                 <a:latin typeface="+mn-ea"/>
               </a:rPr>
               <a:t>활용데이터</a:t>
             </a:r>
             <a:endParaRPr lang="en-US" altLang="ko-KR" sz="1400" b="1" dirty="0">
+              <a:solidFill>
+                <a:srgbClr val="756B5F"/>
+              </a:solidFill>
               <a:latin typeface="+mn-ea"/>
             </a:endParaRPr>
           </a:p>
